--- a/PrOH-Modeller/Pro-python/uploads/MakeCarPlus_combined.pptx
+++ b/PrOH-Modeller/Pro-python/uploads/MakeCarPlus_combined.pptx
@@ -4217,7 +4217,7 @@
               </a:defRPr>
             </a:pPr>
             <a:r>
-              <a:t>good</a:t>
+              <a:t>bad</a:t>
             </a:r>
           </a:p>
         </p:txBody>
@@ -4274,7 +4274,7 @@
               </a:defRPr>
             </a:pPr>
             <a:r>
-              <a:t>bad</a:t>
+              <a:t>good</a:t>
             </a:r>
           </a:p>
         </p:txBody>
@@ -4807,93 +4807,6 @@
           <a:bodyPr/>
           <a:lstStyle/>
           <a:p/>
-        </p:txBody>
-      </p:sp>
-      <p:sp>
-        <p:nvSpPr>
-          <p:cNvPr id="3" name="TextBox 2"/>
-          <p:cNvSpPr txBox="1"/>
-          <p:nvPr/>
-        </p:nvSpPr>
-        <p:spPr>
-          <a:xfrm>
-            <a:off x="457200" y="914400"/>
-            <a:ext cx="1371600" cy="457200"/>
-          </a:xfrm>
-          <a:prstGeom prst="rect">
-            <a:avLst/>
-          </a:prstGeom>
-          <a:noFill/>
-        </p:spPr>
-        <p:txBody>
-          <a:bodyPr wrap="none">
-            <a:spAutoFit/>
-          </a:bodyPr>
-          <a:lstStyle/>
-          <a:p>
-            <a:pPr algn="ctr"/>
-            <a:r>
-              <a:t>puts  together</a:t>
-            </a:r>
-          </a:p>
-        </p:txBody>
-      </p:sp>
-      <p:sp>
-        <p:nvSpPr>
-          <p:cNvPr id="4" name="TextBox 3"/>
-          <p:cNvSpPr txBox="1"/>
-          <p:nvPr/>
-        </p:nvSpPr>
-        <p:spPr>
-          <a:xfrm>
-            <a:off x="1828800" y="914400"/>
-            <a:ext cx="1371600" cy="457200"/>
-          </a:xfrm>
-          <a:prstGeom prst="rect">
-            <a:avLst/>
-          </a:prstGeom>
-          <a:noFill/>
-        </p:spPr>
-        <p:txBody>
-          <a:bodyPr wrap="none">
-            <a:spAutoFit/>
-          </a:bodyPr>
-          <a:lstStyle/>
-          <a:p>
-            <a:pPr algn="ctr"/>
-            <a:r>
-              <a:t>sells car</a:t>
-            </a:r>
-          </a:p>
-        </p:txBody>
-      </p:sp>
-      <p:sp>
-        <p:nvSpPr>
-          <p:cNvPr id="5" name="TextBox 4"/>
-          <p:cNvSpPr txBox="1"/>
-          <p:nvPr/>
-        </p:nvSpPr>
-        <p:spPr>
-          <a:xfrm>
-            <a:off x="3200400" y="914400"/>
-            <a:ext cx="1371600" cy="457200"/>
-          </a:xfrm>
-          <a:prstGeom prst="rect">
-            <a:avLst/>
-          </a:prstGeom>
-          <a:noFill/>
-        </p:spPr>
-        <p:txBody>
-          <a:bodyPr wrap="none">
-            <a:spAutoFit/>
-          </a:bodyPr>
-          <a:lstStyle/>
-          <a:p>
-            <a:pPr algn="ctr"/>
-            <a:r>
-              <a:t>sold car</a:t>
-            </a:r>
-          </a:p>
         </p:txBody>
       </p:sp>
     </p:spTree>
